--- a/seminar/18BQ1A0467.pptx
+++ b/seminar/18BQ1A0467.pptx
@@ -222,7 +222,7 @@
             <a:fld id="{260CAF20-989F-4050-A9B9-CBEE59868C6E}" type="datetimeFigureOut">
               <a:rPr lang="en-US" smtClean="0"/>
               <a:pPr/>
-              <a:t>5/6/2022</a:t>
+              <a:t>5/8/2022</a:t>
             </a:fld>
             <a:endParaRPr lang="en-IN"/>
           </a:p>
@@ -668,7 +668,7 @@
             <a:fld id="{1AC2C6ED-4E99-4DA3-9E1A-5EDD73D8DFAC}" type="datetime1">
               <a:rPr lang="en-US" smtClean="0"/>
               <a:pPr/>
-              <a:t>5/6/2022</a:t>
+              <a:t>5/8/2022</a:t>
             </a:fld>
             <a:endParaRPr lang="en-US"/>
           </a:p>
@@ -834,7 +834,7 @@
             <a:fld id="{B1D08284-1090-42F4-A8B7-FD96BEC76D61}" type="datetime1">
               <a:rPr lang="en-US" smtClean="0"/>
               <a:pPr/>
-              <a:t>5/6/2022</a:t>
+              <a:t>5/8/2022</a:t>
             </a:fld>
             <a:endParaRPr lang="en-US"/>
           </a:p>
@@ -1010,7 +1010,7 @@
             <a:fld id="{3499F31F-5775-4CCD-912E-CE24B7582740}" type="datetime1">
               <a:rPr lang="en-US" smtClean="0"/>
               <a:pPr/>
-              <a:t>5/6/2022</a:t>
+              <a:t>5/8/2022</a:t>
             </a:fld>
             <a:endParaRPr lang="en-US"/>
           </a:p>
@@ -1176,7 +1176,7 @@
             <a:fld id="{EBF8A9AE-CD63-420B-9944-25C41BDFF38E}" type="datetime1">
               <a:rPr lang="en-US" smtClean="0"/>
               <a:pPr/>
-              <a:t>5/6/2022</a:t>
+              <a:t>5/8/2022</a:t>
             </a:fld>
             <a:endParaRPr lang="en-US"/>
           </a:p>
@@ -1419,7 +1419,7 @@
             <a:fld id="{E3179BD3-845A-4110-AE1B-06BB6E007C38}" type="datetime1">
               <a:rPr lang="en-US" smtClean="0"/>
               <a:pPr/>
-              <a:t>5/6/2022</a:t>
+              <a:t>5/8/2022</a:t>
             </a:fld>
             <a:endParaRPr lang="en-US"/>
           </a:p>
@@ -1702,7 +1702,7 @@
             <a:fld id="{72AD6C91-A4BB-4865-8FBD-B2622216DB19}" type="datetime1">
               <a:rPr lang="en-US" smtClean="0"/>
               <a:pPr/>
-              <a:t>5/6/2022</a:t>
+              <a:t>5/8/2022</a:t>
             </a:fld>
             <a:endParaRPr lang="en-US"/>
           </a:p>
@@ -2119,7 +2119,7 @@
             <a:fld id="{9359D37F-5B2C-4C1C-A9AA-3D71375F0259}" type="datetime1">
               <a:rPr lang="en-US" smtClean="0"/>
               <a:pPr/>
-              <a:t>5/6/2022</a:t>
+              <a:t>5/8/2022</a:t>
             </a:fld>
             <a:endParaRPr lang="en-US"/>
           </a:p>
@@ -2234,7 +2234,7 @@
             <a:fld id="{2C373EDC-A065-4C16-B256-0FAC1EB26D04}" type="datetime1">
               <a:rPr lang="en-US" smtClean="0"/>
               <a:pPr/>
-              <a:t>5/6/2022</a:t>
+              <a:t>5/8/2022</a:t>
             </a:fld>
             <a:endParaRPr lang="en-US"/>
           </a:p>
@@ -2327,7 +2327,7 @@
             <a:fld id="{8CE116A5-3369-404D-8D2B-F0F330E860F1}" type="datetime1">
               <a:rPr lang="en-US" smtClean="0"/>
               <a:pPr/>
-              <a:t>5/6/2022</a:t>
+              <a:t>5/8/2022</a:t>
             </a:fld>
             <a:endParaRPr lang="en-US"/>
           </a:p>
@@ -2600,7 +2600,7 @@
             <a:fld id="{EC967520-31E3-4215-A277-D6990B559CE5}" type="datetime1">
               <a:rPr lang="en-US" smtClean="0"/>
               <a:pPr/>
-              <a:t>5/6/2022</a:t>
+              <a:t>5/8/2022</a:t>
             </a:fld>
             <a:endParaRPr lang="en-US"/>
           </a:p>
@@ -2850,7 +2850,7 @@
             <a:fld id="{B5D5DB76-5C15-4767-956B-C43225B04D51}" type="datetime1">
               <a:rPr lang="en-US" smtClean="0"/>
               <a:pPr/>
-              <a:t>5/6/2022</a:t>
+              <a:t>5/8/2022</a:t>
             </a:fld>
             <a:endParaRPr lang="en-US"/>
           </a:p>
@@ -3068,7 +3068,7 @@
             <a:fld id="{4220672B-772A-4A5E-9015-583C2BB123A3}" type="datetime1">
               <a:rPr lang="en-US" smtClean="0"/>
               <a:pPr/>
-              <a:t>5/6/2022</a:t>
+              <a:t>5/8/2022</a:t>
             </a:fld>
             <a:endParaRPr lang="en-US"/>
           </a:p>
@@ -3553,8 +3553,8 @@
         </p:nvSpPr>
         <p:spPr>
           <a:xfrm>
-            <a:off x="2821769" y="2499389"/>
-            <a:ext cx="3500462" cy="461665"/>
+            <a:off x="2267744" y="2533603"/>
+            <a:ext cx="4918583" cy="584775"/>
           </a:xfrm>
           <a:prstGeom prst="rect">
             <a:avLst/>
@@ -3568,8 +3568,8 @@
           <a:p>
             <a:pPr algn="ctr"/>
             <a:r>
-              <a:rPr lang="en-IN" sz="2400" b="1" dirty="0">
-                <a:latin typeface="Times New Roman" panose="02020603050405020304" pitchFamily="18" charset="0"/>
+              <a:rPr lang="en-IN" sz="3200" b="1" dirty="0">
+                <a:latin typeface="Segoe UI Variable Text Semibold" pitchFamily="2" charset="0"/>
                 <a:cs typeface="Times New Roman" panose="02020603050405020304" pitchFamily="18" charset="0"/>
               </a:rPr>
               <a:t>WEB DEVELOPMENT</a:t>
